--- a/CalendarioAgo2022/presentaciones/8_Strings.pptx
+++ b/CalendarioAgo2022/presentaciones/8_Strings.pptx
@@ -224,7 +224,7 @@
           <a:p>
             <a:fld id="{55C7BC42-2F9C-4966-894F-B6FA6F3C1DB8}" type="datetimeFigureOut">
               <a:rPr lang="es-MX" smtClean="0"/>
-              <a:t>15/08/2022</a:t>
+              <a:t>17/08/2022</a:t>
             </a:fld>
             <a:endParaRPr lang="es-MX" dirty="0"/>
           </a:p>
@@ -841,7 +841,7 @@
           <a:p>
             <a:fld id="{47016A6E-E1CA-4694-BCEE-11D49EEFA04C}" type="datetimeFigureOut">
               <a:rPr lang="es-MX" smtClean="0"/>
-              <a:t>15/08/2022</a:t>
+              <a:t>17/08/2022</a:t>
             </a:fld>
             <a:endParaRPr lang="es-MX" dirty="0"/>
           </a:p>
@@ -1011,7 +1011,7 @@
           <a:p>
             <a:fld id="{47016A6E-E1CA-4694-BCEE-11D49EEFA04C}" type="datetimeFigureOut">
               <a:rPr lang="es-MX" smtClean="0"/>
-              <a:t>15/08/2022</a:t>
+              <a:t>17/08/2022</a:t>
             </a:fld>
             <a:endParaRPr lang="es-MX" dirty="0"/>
           </a:p>
@@ -1191,7 +1191,7 @@
           <a:p>
             <a:fld id="{47016A6E-E1CA-4694-BCEE-11D49EEFA04C}" type="datetimeFigureOut">
               <a:rPr lang="es-MX" smtClean="0"/>
-              <a:t>15/08/2022</a:t>
+              <a:t>17/08/2022</a:t>
             </a:fld>
             <a:endParaRPr lang="es-MX" dirty="0"/>
           </a:p>
@@ -1344,7 +1344,7 @@
           <a:p>
             <a:fld id="{1D8BD707-D9CF-40AE-B4C6-C98DA3205C09}" type="datetimeFigureOut">
               <a:rPr lang="en-US" smtClean="0"/>
-              <a:t>8/15/2022</a:t>
+              <a:t>8/17/2022</a:t>
             </a:fld>
             <a:endParaRPr lang="en-US"/>
           </a:p>
@@ -1504,7 +1504,7 @@
           <a:p>
             <a:fld id="{47016A6E-E1CA-4694-BCEE-11D49EEFA04C}" type="datetimeFigureOut">
               <a:rPr lang="es-MX" smtClean="0"/>
-              <a:t>15/08/2022</a:t>
+              <a:t>17/08/2022</a:t>
             </a:fld>
             <a:endParaRPr lang="es-MX" dirty="0"/>
           </a:p>
@@ -1750,7 +1750,7 @@
           <a:p>
             <a:fld id="{47016A6E-E1CA-4694-BCEE-11D49EEFA04C}" type="datetimeFigureOut">
               <a:rPr lang="es-MX" smtClean="0"/>
-              <a:t>15/08/2022</a:t>
+              <a:t>17/08/2022</a:t>
             </a:fld>
             <a:endParaRPr lang="es-MX" dirty="0"/>
           </a:p>
@@ -2038,7 +2038,7 @@
           <a:p>
             <a:fld id="{47016A6E-E1CA-4694-BCEE-11D49EEFA04C}" type="datetimeFigureOut">
               <a:rPr lang="es-MX" smtClean="0"/>
-              <a:t>15/08/2022</a:t>
+              <a:t>17/08/2022</a:t>
             </a:fld>
             <a:endParaRPr lang="es-MX" dirty="0"/>
           </a:p>
@@ -2460,7 +2460,7 @@
           <a:p>
             <a:fld id="{47016A6E-E1CA-4694-BCEE-11D49EEFA04C}" type="datetimeFigureOut">
               <a:rPr lang="es-MX" smtClean="0"/>
-              <a:t>15/08/2022</a:t>
+              <a:t>17/08/2022</a:t>
             </a:fld>
             <a:endParaRPr lang="es-MX" dirty="0"/>
           </a:p>
@@ -2578,7 +2578,7 @@
           <a:p>
             <a:fld id="{47016A6E-E1CA-4694-BCEE-11D49EEFA04C}" type="datetimeFigureOut">
               <a:rPr lang="es-MX" smtClean="0"/>
-              <a:t>15/08/2022</a:t>
+              <a:t>17/08/2022</a:t>
             </a:fld>
             <a:endParaRPr lang="es-MX" dirty="0"/>
           </a:p>
@@ -2673,7 +2673,7 @@
           <a:p>
             <a:fld id="{47016A6E-E1CA-4694-BCEE-11D49EEFA04C}" type="datetimeFigureOut">
               <a:rPr lang="es-MX" smtClean="0"/>
-              <a:t>15/08/2022</a:t>
+              <a:t>17/08/2022</a:t>
             </a:fld>
             <a:endParaRPr lang="es-MX" dirty="0"/>
           </a:p>
@@ -2950,7 +2950,7 @@
           <a:p>
             <a:fld id="{47016A6E-E1CA-4694-BCEE-11D49EEFA04C}" type="datetimeFigureOut">
               <a:rPr lang="es-MX" smtClean="0"/>
-              <a:t>15/08/2022</a:t>
+              <a:t>17/08/2022</a:t>
             </a:fld>
             <a:endParaRPr lang="es-MX" dirty="0"/>
           </a:p>
@@ -3203,7 +3203,7 @@
           <a:p>
             <a:fld id="{47016A6E-E1CA-4694-BCEE-11D49EEFA04C}" type="datetimeFigureOut">
               <a:rPr lang="es-MX" smtClean="0"/>
-              <a:t>15/08/2022</a:t>
+              <a:t>17/08/2022</a:t>
             </a:fld>
             <a:endParaRPr lang="es-MX" dirty="0"/>
           </a:p>
@@ -3416,7 +3416,7 @@
           <a:p>
             <a:fld id="{47016A6E-E1CA-4694-BCEE-11D49EEFA04C}" type="datetimeFigureOut">
               <a:rPr lang="es-MX" smtClean="0"/>
-              <a:t>15/08/2022</a:t>
+              <a:t>17/08/2022</a:t>
             </a:fld>
             <a:endParaRPr lang="es-MX" dirty="0"/>
           </a:p>
